--- a/figures/fig4.parts/figure4.pptx
+++ b/figures/fig4.parts/figure4.pptx
@@ -104,6 +104,11 @@
       </a:defRPr>
     </a:lvl9pPr>
   </p:defaultTextStyle>
+  <p:extLst>
+    <p:ext uri="{EFAFB233-063F-42B5-8137-9DF3F51BA10A}">
+      <p15:sldGuideLst xmlns:p15="http://schemas.microsoft.com/office/powerpoint/2012/main"/>
+    </p:ext>
+  </p:extLst>
 </p:presentation>
 </file>
 
@@ -254,7 +259,7 @@
           <a:p>
             <a:fld id="{D237ED40-1255-2F4E-B5C8-4CD6C1DAB691}" type="datetimeFigureOut">
               <a:rPr lang="en-US" smtClean="0"/>
-              <a:t>3/23/20</a:t>
+              <a:t>5/26/20</a:t>
             </a:fld>
             <a:endParaRPr lang="en-US"/>
           </a:p>
@@ -452,7 +457,7 @@
           <a:p>
             <a:fld id="{D237ED40-1255-2F4E-B5C8-4CD6C1DAB691}" type="datetimeFigureOut">
               <a:rPr lang="en-US" smtClean="0"/>
-              <a:t>3/23/20</a:t>
+              <a:t>5/26/20</a:t>
             </a:fld>
             <a:endParaRPr lang="en-US"/>
           </a:p>
@@ -660,7 +665,7 @@
           <a:p>
             <a:fld id="{D237ED40-1255-2F4E-B5C8-4CD6C1DAB691}" type="datetimeFigureOut">
               <a:rPr lang="en-US" smtClean="0"/>
-              <a:t>3/23/20</a:t>
+              <a:t>5/26/20</a:t>
             </a:fld>
             <a:endParaRPr lang="en-US"/>
           </a:p>
@@ -858,7 +863,7 @@
           <a:p>
             <a:fld id="{D237ED40-1255-2F4E-B5C8-4CD6C1DAB691}" type="datetimeFigureOut">
               <a:rPr lang="en-US" smtClean="0"/>
-              <a:t>3/23/20</a:t>
+              <a:t>5/26/20</a:t>
             </a:fld>
             <a:endParaRPr lang="en-US"/>
           </a:p>
@@ -1133,7 +1138,7 @@
           <a:p>
             <a:fld id="{D237ED40-1255-2F4E-B5C8-4CD6C1DAB691}" type="datetimeFigureOut">
               <a:rPr lang="en-US" smtClean="0"/>
-              <a:t>3/23/20</a:t>
+              <a:t>5/26/20</a:t>
             </a:fld>
             <a:endParaRPr lang="en-US"/>
           </a:p>
@@ -1398,7 +1403,7 @@
           <a:p>
             <a:fld id="{D237ED40-1255-2F4E-B5C8-4CD6C1DAB691}" type="datetimeFigureOut">
               <a:rPr lang="en-US" smtClean="0"/>
-              <a:t>3/23/20</a:t>
+              <a:t>5/26/20</a:t>
             </a:fld>
             <a:endParaRPr lang="en-US"/>
           </a:p>
@@ -1810,7 +1815,7 @@
           <a:p>
             <a:fld id="{D237ED40-1255-2F4E-B5C8-4CD6C1DAB691}" type="datetimeFigureOut">
               <a:rPr lang="en-US" smtClean="0"/>
-              <a:t>3/23/20</a:t>
+              <a:t>5/26/20</a:t>
             </a:fld>
             <a:endParaRPr lang="en-US"/>
           </a:p>
@@ -1951,7 +1956,7 @@
           <a:p>
             <a:fld id="{D237ED40-1255-2F4E-B5C8-4CD6C1DAB691}" type="datetimeFigureOut">
               <a:rPr lang="en-US" smtClean="0"/>
-              <a:t>3/23/20</a:t>
+              <a:t>5/26/20</a:t>
             </a:fld>
             <a:endParaRPr lang="en-US"/>
           </a:p>
@@ -2064,7 +2069,7 @@
           <a:p>
             <a:fld id="{D237ED40-1255-2F4E-B5C8-4CD6C1DAB691}" type="datetimeFigureOut">
               <a:rPr lang="en-US" smtClean="0"/>
-              <a:t>3/23/20</a:t>
+              <a:t>5/26/20</a:t>
             </a:fld>
             <a:endParaRPr lang="en-US"/>
           </a:p>
@@ -2375,7 +2380,7 @@
           <a:p>
             <a:fld id="{D237ED40-1255-2F4E-B5C8-4CD6C1DAB691}" type="datetimeFigureOut">
               <a:rPr lang="en-US" smtClean="0"/>
-              <a:t>3/23/20</a:t>
+              <a:t>5/26/20</a:t>
             </a:fld>
             <a:endParaRPr lang="en-US"/>
           </a:p>
@@ -2663,7 +2668,7 @@
           <a:p>
             <a:fld id="{D237ED40-1255-2F4E-B5C8-4CD6C1DAB691}" type="datetimeFigureOut">
               <a:rPr lang="en-US" smtClean="0"/>
-              <a:t>3/23/20</a:t>
+              <a:t>5/26/20</a:t>
             </a:fld>
             <a:endParaRPr lang="en-US"/>
           </a:p>
@@ -2904,7 +2909,7 @@
           <a:p>
             <a:fld id="{D237ED40-1255-2F4E-B5C8-4CD6C1DAB691}" type="datetimeFigureOut">
               <a:rPr lang="en-US" smtClean="0"/>
-              <a:t>3/23/20</a:t>
+              <a:t>5/26/20</a:t>
             </a:fld>
             <a:endParaRPr lang="en-US"/>
           </a:p>
@@ -3321,87 +3326,64 @@
           <a:chExt cx="0" cy="0"/>
         </a:xfrm>
       </p:grpSpPr>
-      <p:grpSp>
-        <p:nvGrpSpPr>
-          <p:cNvPr id="8" name="Group 7">
-            <a:extLst>
-              <a:ext uri="{FF2B5EF4-FFF2-40B4-BE49-F238E27FC236}">
-                <a16:creationId xmlns:a16="http://schemas.microsoft.com/office/drawing/2014/main" id="{029915C9-2269-4C4A-A3C9-6FD9A9D9534D}"/>
-              </a:ext>
-            </a:extLst>
-          </p:cNvPr>
-          <p:cNvGrpSpPr/>
+      <p:pic>
+        <p:nvPicPr>
+          <p:cNvPr id="3" name="Picture 2">
+            <a:extLst>
+              <a:ext uri="{FF2B5EF4-FFF2-40B4-BE49-F238E27FC236}">
+                <a16:creationId xmlns:a16="http://schemas.microsoft.com/office/drawing/2014/main" id="{4AA25611-473D-F34B-BED5-352ED78FC27A}"/>
+              </a:ext>
+            </a:extLst>
+          </p:cNvPr>
+          <p:cNvPicPr>
+            <a:picLocks noChangeAspect="1"/>
+          </p:cNvPicPr>
           <p:nvPr/>
-        </p:nvGrpSpPr>
-        <p:grpSpPr>
+        </p:nvPicPr>
+        <p:blipFill rotWithShape="1">
+          <a:blip r:embed="rId2"/>
+          <a:srcRect t="16455" r="4034"/>
+          <a:stretch/>
+        </p:blipFill>
+        <p:spPr>
           <a:xfrm>
-            <a:off x="1920109" y="1382767"/>
-            <a:ext cx="7998373" cy="3924300"/>
-            <a:chOff x="1226426" y="1466850"/>
-            <a:chExt cx="7998373" cy="3924300"/>
+            <a:off x="1711084" y="2112579"/>
+            <a:ext cx="3765988" cy="3278571"/>
           </a:xfrm>
-        </p:grpSpPr>
-        <p:pic>
-          <p:nvPicPr>
-            <p:cNvPr id="5" name="Picture 4">
-              <a:extLst>
-                <a:ext uri="{FF2B5EF4-FFF2-40B4-BE49-F238E27FC236}">
-                  <a16:creationId xmlns:a16="http://schemas.microsoft.com/office/drawing/2014/main" id="{CA4F1F92-7EF1-4F4E-BEA1-2F910ADF93C2}"/>
-                </a:ext>
-              </a:extLst>
-            </p:cNvPr>
-            <p:cNvPicPr>
-              <a:picLocks noChangeAspect="1"/>
-            </p:cNvPicPr>
-            <p:nvPr/>
-          </p:nvPicPr>
-          <p:blipFill>
-            <a:blip r:embed="rId2"/>
-            <a:stretch>
-              <a:fillRect/>
-            </a:stretch>
-          </p:blipFill>
-          <p:spPr>
-            <a:xfrm>
-              <a:off x="1226426" y="1466850"/>
-              <a:ext cx="3924300" cy="3924300"/>
-            </a:xfrm>
-            <a:prstGeom prst="rect">
-              <a:avLst/>
-            </a:prstGeom>
-          </p:spPr>
-        </p:pic>
-        <p:pic>
-          <p:nvPicPr>
-            <p:cNvPr id="7" name="Picture 6">
-              <a:extLst>
-                <a:ext uri="{FF2B5EF4-FFF2-40B4-BE49-F238E27FC236}">
-                  <a16:creationId xmlns:a16="http://schemas.microsoft.com/office/drawing/2014/main" id="{D8C73723-3260-4446-AABF-D18BA4C5E5E2}"/>
-                </a:ext>
-              </a:extLst>
-            </p:cNvPr>
-            <p:cNvPicPr>
-              <a:picLocks noChangeAspect="1"/>
-            </p:cNvPicPr>
-            <p:nvPr/>
-          </p:nvPicPr>
-          <p:blipFill>
-            <a:blip r:embed="rId3"/>
-            <a:stretch>
-              <a:fillRect/>
-            </a:stretch>
-          </p:blipFill>
-          <p:spPr>
-            <a:xfrm>
-              <a:off x="5300499" y="1466850"/>
-              <a:ext cx="3924300" cy="3924300"/>
-            </a:xfrm>
-            <a:prstGeom prst="rect">
-              <a:avLst/>
-            </a:prstGeom>
-          </p:spPr>
-        </p:pic>
-      </p:grpSp>
+          <a:prstGeom prst="rect">
+            <a:avLst/>
+          </a:prstGeom>
+        </p:spPr>
+      </p:pic>
+      <p:pic>
+        <p:nvPicPr>
+          <p:cNvPr id="6" name="Picture 5">
+            <a:extLst>
+              <a:ext uri="{FF2B5EF4-FFF2-40B4-BE49-F238E27FC236}">
+                <a16:creationId xmlns:a16="http://schemas.microsoft.com/office/drawing/2014/main" id="{EBEB9112-B8AA-BF41-AE2D-B109B56380C5}"/>
+              </a:ext>
+            </a:extLst>
+          </p:cNvPr>
+          <p:cNvPicPr>
+            <a:picLocks noChangeAspect="1"/>
+          </p:cNvPicPr>
+          <p:nvPr/>
+        </p:nvPicPr>
+        <p:blipFill rotWithShape="1">
+          <a:blip r:embed="rId3"/>
+          <a:srcRect t="16455" r="4469"/>
+          <a:stretch/>
+        </p:blipFill>
+        <p:spPr>
+          <a:xfrm>
+            <a:off x="5477072" y="2112578"/>
+            <a:ext cx="3748909" cy="3278572"/>
+          </a:xfrm>
+          <a:prstGeom prst="rect">
+            <a:avLst/>
+          </a:prstGeom>
+        </p:spPr>
+      </p:pic>
     </p:spTree>
     <p:extLst>
       <p:ext uri="{BB962C8B-B14F-4D97-AF65-F5344CB8AC3E}">

--- a/figures/fig4.parts/figure4.pptx
+++ b/figures/fig4.parts/figure4.pptx
@@ -259,7 +259,7 @@
           <a:p>
             <a:fld id="{D237ED40-1255-2F4E-B5C8-4CD6C1DAB691}" type="datetimeFigureOut">
               <a:rPr lang="en-US" smtClean="0"/>
-              <a:t>5/26/20</a:t>
+              <a:t>7/8/20</a:t>
             </a:fld>
             <a:endParaRPr lang="en-US"/>
           </a:p>
@@ -457,7 +457,7 @@
           <a:p>
             <a:fld id="{D237ED40-1255-2F4E-B5C8-4CD6C1DAB691}" type="datetimeFigureOut">
               <a:rPr lang="en-US" smtClean="0"/>
-              <a:t>5/26/20</a:t>
+              <a:t>7/8/20</a:t>
             </a:fld>
             <a:endParaRPr lang="en-US"/>
           </a:p>
@@ -665,7 +665,7 @@
           <a:p>
             <a:fld id="{D237ED40-1255-2F4E-B5C8-4CD6C1DAB691}" type="datetimeFigureOut">
               <a:rPr lang="en-US" smtClean="0"/>
-              <a:t>5/26/20</a:t>
+              <a:t>7/8/20</a:t>
             </a:fld>
             <a:endParaRPr lang="en-US"/>
           </a:p>
@@ -863,7 +863,7 @@
           <a:p>
             <a:fld id="{D237ED40-1255-2F4E-B5C8-4CD6C1DAB691}" type="datetimeFigureOut">
               <a:rPr lang="en-US" smtClean="0"/>
-              <a:t>5/26/20</a:t>
+              <a:t>7/8/20</a:t>
             </a:fld>
             <a:endParaRPr lang="en-US"/>
           </a:p>
@@ -1138,7 +1138,7 @@
           <a:p>
             <a:fld id="{D237ED40-1255-2F4E-B5C8-4CD6C1DAB691}" type="datetimeFigureOut">
               <a:rPr lang="en-US" smtClean="0"/>
-              <a:t>5/26/20</a:t>
+              <a:t>7/8/20</a:t>
             </a:fld>
             <a:endParaRPr lang="en-US"/>
           </a:p>
@@ -1403,7 +1403,7 @@
           <a:p>
             <a:fld id="{D237ED40-1255-2F4E-B5C8-4CD6C1DAB691}" type="datetimeFigureOut">
               <a:rPr lang="en-US" smtClean="0"/>
-              <a:t>5/26/20</a:t>
+              <a:t>7/8/20</a:t>
             </a:fld>
             <a:endParaRPr lang="en-US"/>
           </a:p>
@@ -1815,7 +1815,7 @@
           <a:p>
             <a:fld id="{D237ED40-1255-2F4E-B5C8-4CD6C1DAB691}" type="datetimeFigureOut">
               <a:rPr lang="en-US" smtClean="0"/>
-              <a:t>5/26/20</a:t>
+              <a:t>7/8/20</a:t>
             </a:fld>
             <a:endParaRPr lang="en-US"/>
           </a:p>
@@ -1956,7 +1956,7 @@
           <a:p>
             <a:fld id="{D237ED40-1255-2F4E-B5C8-4CD6C1DAB691}" type="datetimeFigureOut">
               <a:rPr lang="en-US" smtClean="0"/>
-              <a:t>5/26/20</a:t>
+              <a:t>7/8/20</a:t>
             </a:fld>
             <a:endParaRPr lang="en-US"/>
           </a:p>
@@ -2069,7 +2069,7 @@
           <a:p>
             <a:fld id="{D237ED40-1255-2F4E-B5C8-4CD6C1DAB691}" type="datetimeFigureOut">
               <a:rPr lang="en-US" smtClean="0"/>
-              <a:t>5/26/20</a:t>
+              <a:t>7/8/20</a:t>
             </a:fld>
             <a:endParaRPr lang="en-US"/>
           </a:p>
@@ -2380,7 +2380,7 @@
           <a:p>
             <a:fld id="{D237ED40-1255-2F4E-B5C8-4CD6C1DAB691}" type="datetimeFigureOut">
               <a:rPr lang="en-US" smtClean="0"/>
-              <a:t>5/26/20</a:t>
+              <a:t>7/8/20</a:t>
             </a:fld>
             <a:endParaRPr lang="en-US"/>
           </a:p>
@@ -2668,7 +2668,7 @@
           <a:p>
             <a:fld id="{D237ED40-1255-2F4E-B5C8-4CD6C1DAB691}" type="datetimeFigureOut">
               <a:rPr lang="en-US" smtClean="0"/>
-              <a:t>5/26/20</a:t>
+              <a:t>7/8/20</a:t>
             </a:fld>
             <a:endParaRPr lang="en-US"/>
           </a:p>
@@ -2909,7 +2909,7 @@
           <a:p>
             <a:fld id="{D237ED40-1255-2F4E-B5C8-4CD6C1DAB691}" type="datetimeFigureOut">
               <a:rPr lang="en-US" smtClean="0"/>
-              <a:t>5/26/20</a:t>
+              <a:t>7/8/20</a:t>
             </a:fld>
             <a:endParaRPr lang="en-US"/>
           </a:p>
@@ -3384,6 +3384,78 @@
           </a:prstGeom>
         </p:spPr>
       </p:pic>
+      <p:sp>
+        <p:nvSpPr>
+          <p:cNvPr id="4" name="TextBox 3">
+            <a:extLst>
+              <a:ext uri="{FF2B5EF4-FFF2-40B4-BE49-F238E27FC236}">
+                <a16:creationId xmlns:a16="http://schemas.microsoft.com/office/drawing/2014/main" id="{B7C71B0D-CF75-294B-BC5C-7F382524280C}"/>
+              </a:ext>
+            </a:extLst>
+          </p:cNvPr>
+          <p:cNvSpPr txBox="1"/>
+          <p:nvPr/>
+        </p:nvSpPr>
+        <p:spPr>
+          <a:xfrm>
+            <a:off x="1736623" y="1770892"/>
+            <a:ext cx="652299" cy="369332"/>
+          </a:xfrm>
+          <a:prstGeom prst="rect">
+            <a:avLst/>
+          </a:prstGeom>
+          <a:noFill/>
+        </p:spPr>
+        <p:txBody>
+          <a:bodyPr wrap="square" rtlCol="0">
+            <a:spAutoFit/>
+          </a:bodyPr>
+          <a:lstStyle/>
+          <a:p>
+            <a:pPr algn="ctr"/>
+            <a:r>
+              <a:rPr lang="en-US" b="1" dirty="0"/>
+              <a:t>A</a:t>
+            </a:r>
+          </a:p>
+        </p:txBody>
+      </p:sp>
+      <p:sp>
+        <p:nvSpPr>
+          <p:cNvPr id="5" name="TextBox 4">
+            <a:extLst>
+              <a:ext uri="{FF2B5EF4-FFF2-40B4-BE49-F238E27FC236}">
+                <a16:creationId xmlns:a16="http://schemas.microsoft.com/office/drawing/2014/main" id="{472C7763-BD1A-A942-9438-7E4C23913AC1}"/>
+              </a:ext>
+            </a:extLst>
+          </p:cNvPr>
+          <p:cNvSpPr txBox="1"/>
+          <p:nvPr/>
+        </p:nvSpPr>
+        <p:spPr>
+          <a:xfrm>
+            <a:off x="5477072" y="1770892"/>
+            <a:ext cx="652299" cy="369332"/>
+          </a:xfrm>
+          <a:prstGeom prst="rect">
+            <a:avLst/>
+          </a:prstGeom>
+          <a:noFill/>
+        </p:spPr>
+        <p:txBody>
+          <a:bodyPr wrap="square" rtlCol="0">
+            <a:spAutoFit/>
+          </a:bodyPr>
+          <a:lstStyle/>
+          <a:p>
+            <a:pPr algn="ctr"/>
+            <a:r>
+              <a:rPr lang="en-US" b="1" dirty="0"/>
+              <a:t>B</a:t>
+            </a:r>
+          </a:p>
+        </p:txBody>
+      </p:sp>
     </p:spTree>
     <p:extLst>
       <p:ext uri="{BB962C8B-B14F-4D97-AF65-F5344CB8AC3E}">
